--- a/Assets/logoPPt.pptx
+++ b/Assets/logoPPt.pptx
@@ -108,6 +108,11 @@
       </a:defRPr>
     </a:lvl9pPr>
   </p:defaultTextStyle>
+  <p:extLst>
+    <p:ext uri="{EFAFB233-063F-42B5-8137-9DF3F51BA10A}">
+      <p15:sldGuideLst xmlns:p15="http://schemas.microsoft.com/office/powerpoint/2012/main"/>
+    </p:ext>
+  </p:extLst>
 </p:presentation>
 </file>
 
@@ -260,7 +265,7 @@
           <a:p>
             <a:fld id="{90105D45-62AE-416B-B594-DA4216F9A5D6}" type="datetimeFigureOut">
               <a:rPr lang="en-IN" smtClean="0"/>
-              <a:t>09-09-2024</a:t>
+              <a:t>10-09-2024</a:t>
             </a:fld>
             <a:endParaRPr lang="en-IN"/>
           </a:p>
@@ -460,7 +465,7 @@
           <a:p>
             <a:fld id="{90105D45-62AE-416B-B594-DA4216F9A5D6}" type="datetimeFigureOut">
               <a:rPr lang="en-IN" smtClean="0"/>
-              <a:t>09-09-2024</a:t>
+              <a:t>10-09-2024</a:t>
             </a:fld>
             <a:endParaRPr lang="en-IN"/>
           </a:p>
@@ -670,7 +675,7 @@
           <a:p>
             <a:fld id="{90105D45-62AE-416B-B594-DA4216F9A5D6}" type="datetimeFigureOut">
               <a:rPr lang="en-IN" smtClean="0"/>
-              <a:t>09-09-2024</a:t>
+              <a:t>10-09-2024</a:t>
             </a:fld>
             <a:endParaRPr lang="en-IN"/>
           </a:p>
@@ -870,7 +875,7 @@
           <a:p>
             <a:fld id="{90105D45-62AE-416B-B594-DA4216F9A5D6}" type="datetimeFigureOut">
               <a:rPr lang="en-IN" smtClean="0"/>
-              <a:t>09-09-2024</a:t>
+              <a:t>10-09-2024</a:t>
             </a:fld>
             <a:endParaRPr lang="en-IN"/>
           </a:p>
@@ -1146,7 +1151,7 @@
           <a:p>
             <a:fld id="{90105D45-62AE-416B-B594-DA4216F9A5D6}" type="datetimeFigureOut">
               <a:rPr lang="en-IN" smtClean="0"/>
-              <a:t>09-09-2024</a:t>
+              <a:t>10-09-2024</a:t>
             </a:fld>
             <a:endParaRPr lang="en-IN"/>
           </a:p>
@@ -1414,7 +1419,7 @@
           <a:p>
             <a:fld id="{90105D45-62AE-416B-B594-DA4216F9A5D6}" type="datetimeFigureOut">
               <a:rPr lang="en-IN" smtClean="0"/>
-              <a:t>09-09-2024</a:t>
+              <a:t>10-09-2024</a:t>
             </a:fld>
             <a:endParaRPr lang="en-IN"/>
           </a:p>
@@ -1829,7 +1834,7 @@
           <a:p>
             <a:fld id="{90105D45-62AE-416B-B594-DA4216F9A5D6}" type="datetimeFigureOut">
               <a:rPr lang="en-IN" smtClean="0"/>
-              <a:t>09-09-2024</a:t>
+              <a:t>10-09-2024</a:t>
             </a:fld>
             <a:endParaRPr lang="en-IN"/>
           </a:p>
@@ -1971,7 +1976,7 @@
           <a:p>
             <a:fld id="{90105D45-62AE-416B-B594-DA4216F9A5D6}" type="datetimeFigureOut">
               <a:rPr lang="en-IN" smtClean="0"/>
-              <a:t>09-09-2024</a:t>
+              <a:t>10-09-2024</a:t>
             </a:fld>
             <a:endParaRPr lang="en-IN"/>
           </a:p>
@@ -2084,7 +2089,7 @@
           <a:p>
             <a:fld id="{90105D45-62AE-416B-B594-DA4216F9A5D6}" type="datetimeFigureOut">
               <a:rPr lang="en-IN" smtClean="0"/>
-              <a:t>09-09-2024</a:t>
+              <a:t>10-09-2024</a:t>
             </a:fld>
             <a:endParaRPr lang="en-IN"/>
           </a:p>
@@ -2397,7 +2402,7 @@
           <a:p>
             <a:fld id="{90105D45-62AE-416B-B594-DA4216F9A5D6}" type="datetimeFigureOut">
               <a:rPr lang="en-IN" smtClean="0"/>
-              <a:t>09-09-2024</a:t>
+              <a:t>10-09-2024</a:t>
             </a:fld>
             <a:endParaRPr lang="en-IN"/>
           </a:p>
@@ -2686,7 +2691,7 @@
           <a:p>
             <a:fld id="{90105D45-62AE-416B-B594-DA4216F9A5D6}" type="datetimeFigureOut">
               <a:rPr lang="en-IN" smtClean="0"/>
-              <a:t>09-09-2024</a:t>
+              <a:t>10-09-2024</a:t>
             </a:fld>
             <a:endParaRPr lang="en-IN"/>
           </a:p>
@@ -2929,7 +2934,7 @@
           <a:p>
             <a:fld id="{90105D45-62AE-416B-B594-DA4216F9A5D6}" type="datetimeFigureOut">
               <a:rPr lang="en-IN" smtClean="0"/>
-              <a:t>09-09-2024</a:t>
+              <a:t>10-09-2024</a:t>
             </a:fld>
             <a:endParaRPr lang="en-IN"/>
           </a:p>
@@ -3508,111 +3513,76 @@
           </p:txBody>
         </p:sp>
       </p:grpSp>
-      <p:grpSp>
-        <p:nvGrpSpPr>
-          <p:cNvPr id="18" name="Group 17">
-            <a:extLst>
-              <a:ext uri="{FF2B5EF4-FFF2-40B4-BE49-F238E27FC236}">
-                <a16:creationId xmlns:a16="http://schemas.microsoft.com/office/drawing/2014/main" id="{05D254EE-A3C9-3A56-2697-55FDF3572C81}"/>
-              </a:ext>
-            </a:extLst>
-          </p:cNvPr>
-          <p:cNvGrpSpPr/>
+      <p:pic>
+        <p:nvPicPr>
+          <p:cNvPr id="19" name="Picture 18" descr="A green field with a yellow object in the center">
+            <a:extLst>
+              <a:ext uri="{FF2B5EF4-FFF2-40B4-BE49-F238E27FC236}">
+                <a16:creationId xmlns:a16="http://schemas.microsoft.com/office/drawing/2014/main" id="{EF4358BC-7C85-C43B-EAD1-0901450040D9}"/>
+              </a:ext>
+            </a:extLst>
+          </p:cNvPr>
+          <p:cNvPicPr>
+            <a:picLocks noChangeAspect="1"/>
+          </p:cNvPicPr>
           <p:nvPr/>
-        </p:nvGrpSpPr>
-        <p:grpSpPr>
+        </p:nvPicPr>
+        <p:blipFill>
+          <a:blip r:embed="rId2">
+            <a:extLst>
+              <a:ext uri="{28A0092B-C50C-407E-A947-70E740481C1C}">
+                <a14:useLocalDpi xmlns:a14="http://schemas.microsoft.com/office/drawing/2010/main" val="0"/>
+              </a:ext>
+            </a:extLst>
+          </a:blip>
+          <a:stretch>
+            <a:fillRect/>
+          </a:stretch>
+        </p:blipFill>
+        <p:spPr>
+          <a:xfrm rot="16200000">
+            <a:off x="2811051" y="2603955"/>
+            <a:ext cx="948839" cy="2100544"/>
+          </a:xfrm>
+          <a:prstGeom prst="rect">
+            <a:avLst/>
+          </a:prstGeom>
+        </p:spPr>
+      </p:pic>
+      <p:sp>
+        <p:nvSpPr>
+          <p:cNvPr id="20" name="Rectangle 19">
+            <a:extLst>
+              <a:ext uri="{FF2B5EF4-FFF2-40B4-BE49-F238E27FC236}">
+                <a16:creationId xmlns:a16="http://schemas.microsoft.com/office/drawing/2014/main" id="{6DEE7757-A667-5249-90B9-6D7675BE62FF}"/>
+              </a:ext>
+            </a:extLst>
+          </p:cNvPr>
+          <p:cNvSpPr/>
+          <p:nvPr/>
+        </p:nvSpPr>
+        <p:spPr>
           <a:xfrm>
-            <a:off x="58744" y="1646672"/>
-            <a:ext cx="6037256" cy="4708981"/>
-            <a:chOff x="3077535" y="2149019"/>
-            <a:chExt cx="6037256" cy="4708981"/>
+            <a:off x="459375" y="2327266"/>
+            <a:ext cx="2002471" cy="3170099"/>
           </a:xfrm>
-        </p:grpSpPr>
-        <p:pic>
-          <p:nvPicPr>
-            <p:cNvPr id="19" name="Picture 18" descr="A green field with a yellow object in the center">
-              <a:extLst>
-                <a:ext uri="{FF2B5EF4-FFF2-40B4-BE49-F238E27FC236}">
-                  <a16:creationId xmlns:a16="http://schemas.microsoft.com/office/drawing/2014/main" id="{EF4358BC-7C85-C43B-EAD1-0901450040D9}"/>
-                </a:ext>
-              </a:extLst>
-            </p:cNvPr>
-            <p:cNvPicPr>
-              <a:picLocks noChangeAspect="1"/>
-            </p:cNvPicPr>
-            <p:nvPr/>
-          </p:nvPicPr>
-          <p:blipFill>
-            <a:blip r:embed="rId2">
-              <a:extLst>
-                <a:ext uri="{28A0092B-C50C-407E-A947-70E740481C1C}">
-                  <a14:useLocalDpi xmlns:a14="http://schemas.microsoft.com/office/drawing/2010/main" val="0"/>
-                </a:ext>
-              </a:extLst>
-            </a:blip>
-            <a:stretch>
-              <a:fillRect/>
-            </a:stretch>
-          </p:blipFill>
-          <p:spPr>
-            <a:xfrm rot="16200000">
-              <a:off x="5829842" y="3106302"/>
-              <a:ext cx="948839" cy="2100544"/>
-            </a:xfrm>
-            <a:prstGeom prst="rect">
-              <a:avLst/>
-            </a:prstGeom>
-          </p:spPr>
-        </p:pic>
-        <p:sp>
-          <p:nvSpPr>
-            <p:cNvPr id="20" name="Rectangle 19">
-              <a:extLst>
-                <a:ext uri="{FF2B5EF4-FFF2-40B4-BE49-F238E27FC236}">
-                  <a16:creationId xmlns:a16="http://schemas.microsoft.com/office/drawing/2014/main" id="{6DEE7757-A667-5249-90B9-6D7675BE62FF}"/>
-                </a:ext>
-              </a:extLst>
-            </p:cNvPr>
-            <p:cNvSpPr/>
-            <p:nvPr/>
-          </p:nvSpPr>
-          <p:spPr>
-            <a:xfrm>
-              <a:off x="3077535" y="2149019"/>
-              <a:ext cx="2909772" cy="4708981"/>
-            </a:xfrm>
-            <a:prstGeom prst="rect">
-              <a:avLst/>
-            </a:prstGeom>
-            <a:noFill/>
-          </p:spPr>
-          <p:txBody>
-            <a:bodyPr wrap="none" lIns="91440" tIns="45720" rIns="91440" bIns="45720">
-              <a:spAutoFit/>
-            </a:bodyPr>
-            <a:lstStyle/>
-            <a:p>
-              <a:pPr algn="ctr"/>
-              <a:r>
-                <a:rPr lang="en-US" sz="30000" dirty="0">
-                  <a:ln w="0"/>
-                  <a:solidFill>
-                    <a:srgbClr val="1E90FF"/>
-                  </a:solidFill>
-                  <a:effectLst>
-                    <a:outerShdw blurRad="38100" dist="19050" dir="2700000" algn="tl" rotWithShape="0">
-                      <a:schemeClr val="dk1">
-                        <a:alpha val="40000"/>
-                      </a:schemeClr>
-                    </a:outerShdw>
-                  </a:effectLst>
-                </a:rPr>
-                <a:t>G</a:t>
-              </a:r>
-              <a:endParaRPr lang="en-US" sz="30000" b="0" cap="none" spc="0" dirty="0">
+          <a:prstGeom prst="rect">
+            <a:avLst/>
+          </a:prstGeom>
+          <a:noFill/>
+        </p:spPr>
+        <p:txBody>
+          <a:bodyPr wrap="none" lIns="91440" tIns="45720" rIns="91440" bIns="45720">
+            <a:spAutoFit/>
+          </a:bodyPr>
+          <a:lstStyle/>
+          <a:p>
+            <a:pPr algn="ctr"/>
+            <a:r>
+              <a:rPr lang="en-US" sz="20000" dirty="0">
                 <a:ln w="0"/>
                 <a:solidFill>
-                  <a:srgbClr val="1E90FF"/>
+                  <a:srgbClr val="5062ED"/>
                 </a:solidFill>
                 <a:effectLst>
                   <a:outerShdw blurRad="38100" dist="19050" dir="2700000" algn="tl" rotWithShape="0">
@@ -3621,138 +3591,152 @@
                     </a:schemeClr>
                   </a:outerShdw>
                 </a:effectLst>
-              </a:endParaRPr>
-            </a:p>
-          </p:txBody>
-        </p:sp>
-        <p:sp>
-          <p:nvSpPr>
-            <p:cNvPr id="21" name="Rectangle 20">
-              <a:extLst>
-                <a:ext uri="{FF2B5EF4-FFF2-40B4-BE49-F238E27FC236}">
-                  <a16:creationId xmlns:a16="http://schemas.microsoft.com/office/drawing/2014/main" id="{406C9999-ADEB-72D3-3B69-4EFD3C1C7CEE}"/>
-                </a:ext>
-              </a:extLst>
-            </p:cNvPr>
-            <p:cNvSpPr/>
-            <p:nvPr/>
-          </p:nvSpPr>
-          <p:spPr>
-            <a:xfrm>
-              <a:off x="4222566" y="3872567"/>
-              <a:ext cx="3328483" cy="630942"/>
-            </a:xfrm>
-            <a:prstGeom prst="rect">
-              <a:avLst/>
-            </a:prstGeom>
-            <a:noFill/>
-          </p:spPr>
-          <p:txBody>
-            <a:bodyPr wrap="square" lIns="91440" tIns="45720" rIns="91440" bIns="45720">
-              <a:spAutoFit/>
-            </a:bodyPr>
-            <a:lstStyle/>
-            <a:p>
-              <a:pPr algn="ctr"/>
-              <a:r>
-                <a:rPr lang="en-US" sz="3500" b="0" cap="none" spc="0" dirty="0">
-                  <a:ln w="0"/>
-                  <a:solidFill>
-                    <a:schemeClr val="tx1">
-                      <a:lumMod val="95000"/>
-                      <a:lumOff val="5000"/>
+              </a:rPr>
+              <a:t>G</a:t>
+            </a:r>
+            <a:endParaRPr lang="en-US" sz="20000" b="0" cap="none" spc="0" dirty="0">
+              <a:ln w="0"/>
+              <a:solidFill>
+                <a:srgbClr val="5062ED"/>
+              </a:solidFill>
+              <a:effectLst>
+                <a:outerShdw blurRad="38100" dist="19050" dir="2700000" algn="tl" rotWithShape="0">
+                  <a:schemeClr val="dk1">
+                    <a:alpha val="40000"/>
+                  </a:schemeClr>
+                </a:outerShdw>
+              </a:effectLst>
+            </a:endParaRPr>
+          </a:p>
+        </p:txBody>
+      </p:sp>
+      <p:sp>
+        <p:nvSpPr>
+          <p:cNvPr id="21" name="Rectangle 20">
+            <a:extLst>
+              <a:ext uri="{FF2B5EF4-FFF2-40B4-BE49-F238E27FC236}">
+                <a16:creationId xmlns:a16="http://schemas.microsoft.com/office/drawing/2014/main" id="{406C9999-ADEB-72D3-3B69-4EFD3C1C7CEE}"/>
+              </a:ext>
+            </a:extLst>
+          </p:cNvPr>
+          <p:cNvSpPr/>
+          <p:nvPr/>
+        </p:nvSpPr>
+        <p:spPr>
+          <a:xfrm>
+            <a:off x="1203775" y="3370220"/>
+            <a:ext cx="3328483" cy="630942"/>
+          </a:xfrm>
+          <a:prstGeom prst="rect">
+            <a:avLst/>
+          </a:prstGeom>
+          <a:noFill/>
+        </p:spPr>
+        <p:txBody>
+          <a:bodyPr wrap="square" lIns="91440" tIns="45720" rIns="91440" bIns="45720">
+            <a:spAutoFit/>
+          </a:bodyPr>
+          <a:lstStyle/>
+          <a:p>
+            <a:pPr algn="ctr"/>
+            <a:r>
+              <a:rPr lang="en-US" sz="3500" b="0" cap="none" spc="0" dirty="0">
+                <a:ln w="0"/>
+                <a:solidFill>
+                  <a:schemeClr val="tx1">
+                    <a:lumMod val="95000"/>
+                    <a:lumOff val="5000"/>
+                  </a:schemeClr>
+                </a:solidFill>
+                <a:effectLst>
+                  <a:outerShdw blurRad="38100" dist="19050" dir="2700000" algn="tl" rotWithShape="0">
+                    <a:schemeClr val="dk1">
+                      <a:alpha val="40000"/>
                     </a:schemeClr>
-                  </a:solidFill>
-                  <a:effectLst>
-                    <a:outerShdw blurRad="38100" dist="19050" dir="2700000" algn="tl" rotWithShape="0">
-                      <a:schemeClr val="dk1">
-                        <a:alpha val="40000"/>
-                      </a:schemeClr>
-                    </a:outerShdw>
-                  </a:effectLst>
-                  <a:latin typeface="ADLaM Display" panose="02010000000000000000" pitchFamily="2" charset="0"/>
-                  <a:ea typeface="ADLaM Display" panose="02010000000000000000" pitchFamily="2" charset="0"/>
-                  <a:cs typeface="ADLaM Display" panose="02010000000000000000" pitchFamily="2" charset="0"/>
-                </a:rPr>
-                <a:t>Play </a:t>
-              </a:r>
-              <a:r>
-                <a:rPr lang="en-US" sz="3500" b="0" cap="none" spc="0" dirty="0">
-                  <a:ln w="0"/>
-                  <a:solidFill>
-                    <a:schemeClr val="bg1"/>
-                  </a:solidFill>
-                  <a:effectLst>
-                    <a:outerShdw blurRad="38100" dist="19050" dir="2700000" algn="tl" rotWithShape="0">
-                      <a:schemeClr val="dk1">
-                        <a:alpha val="40000"/>
-                      </a:schemeClr>
-                    </a:outerShdw>
-                  </a:effectLst>
-                  <a:latin typeface="ADLaM Display" panose="02010000000000000000" pitchFamily="2" charset="0"/>
-                  <a:ea typeface="ADLaM Display" panose="02010000000000000000" pitchFamily="2" charset="0"/>
-                  <a:cs typeface="ADLaM Display" panose="02010000000000000000" pitchFamily="2" charset="0"/>
-                </a:rPr>
-                <a:t>Ground</a:t>
-              </a:r>
-            </a:p>
-          </p:txBody>
-        </p:sp>
-        <p:sp>
-          <p:nvSpPr>
-            <p:cNvPr id="22" name="Rectangle 21">
-              <a:extLst>
-                <a:ext uri="{FF2B5EF4-FFF2-40B4-BE49-F238E27FC236}">
-                  <a16:creationId xmlns:a16="http://schemas.microsoft.com/office/drawing/2014/main" id="{33C42E49-0D28-FA09-51A4-884C0B0E3E68}"/>
-                </a:ext>
-              </a:extLst>
-            </p:cNvPr>
-            <p:cNvSpPr/>
-            <p:nvPr/>
-          </p:nvSpPr>
-          <p:spPr>
-            <a:xfrm>
-              <a:off x="3814666" y="4124321"/>
-              <a:ext cx="5300125" cy="1631216"/>
-            </a:xfrm>
-            <a:prstGeom prst="rect">
-              <a:avLst/>
-            </a:prstGeom>
-            <a:noFill/>
-          </p:spPr>
-          <p:txBody>
-            <a:bodyPr wrap="square" lIns="91440" tIns="45720" rIns="91440" bIns="45720">
-              <a:spAutoFit/>
-            </a:bodyPr>
-            <a:lstStyle/>
-            <a:p>
-              <a:pPr algn="ctr"/>
-              <a:r>
-                <a:rPr lang="en-US" sz="10000" b="0" cap="none" spc="0" dirty="0">
-                  <a:ln w="0"/>
-                  <a:solidFill>
-                    <a:schemeClr val="tx1">
-                      <a:lumMod val="95000"/>
-                      <a:lumOff val="5000"/>
+                  </a:outerShdw>
+                </a:effectLst>
+                <a:latin typeface="ADLaM Display" panose="02010000000000000000" pitchFamily="2" charset="0"/>
+                <a:ea typeface="ADLaM Display" panose="02010000000000000000" pitchFamily="2" charset="0"/>
+                <a:cs typeface="ADLaM Display" panose="02010000000000000000" pitchFamily="2" charset="0"/>
+              </a:rPr>
+              <a:t>Play </a:t>
+            </a:r>
+            <a:r>
+              <a:rPr lang="en-US" sz="3500" b="0" cap="none" spc="0" dirty="0">
+                <a:ln w="0"/>
+                <a:solidFill>
+                  <a:schemeClr val="bg1"/>
+                </a:solidFill>
+                <a:effectLst>
+                  <a:outerShdw blurRad="38100" dist="19050" dir="2700000" algn="tl" rotWithShape="0">
+                    <a:schemeClr val="dk1">
+                      <a:alpha val="40000"/>
                     </a:schemeClr>
-                  </a:solidFill>
-                  <a:effectLst>
-                    <a:outerShdw blurRad="38100" dist="19050" dir="2700000" algn="tl" rotWithShape="0">
-                      <a:schemeClr val="dk1">
-                        <a:alpha val="40000"/>
-                      </a:schemeClr>
-                    </a:outerShdw>
-                  </a:effectLst>
-                  <a:latin typeface="ADLaM Display" panose="02010000000000000000" pitchFamily="2" charset="0"/>
-                  <a:ea typeface="ADLaM Display" panose="02010000000000000000" pitchFamily="2" charset="0"/>
-                  <a:cs typeface="ADLaM Display" panose="02010000000000000000" pitchFamily="2" charset="0"/>
-                </a:rPr>
-                <a:t>EU</a:t>
-              </a:r>
-            </a:p>
-          </p:txBody>
-        </p:sp>
-      </p:grpSp>
+                  </a:outerShdw>
+                </a:effectLst>
+                <a:latin typeface="ADLaM Display" panose="02010000000000000000" pitchFamily="2" charset="0"/>
+                <a:ea typeface="ADLaM Display" panose="02010000000000000000" pitchFamily="2" charset="0"/>
+                <a:cs typeface="ADLaM Display" panose="02010000000000000000" pitchFamily="2" charset="0"/>
+              </a:rPr>
+              <a:t>Ground</a:t>
+            </a:r>
+          </a:p>
+        </p:txBody>
+      </p:sp>
+      <p:sp>
+        <p:nvSpPr>
+          <p:cNvPr id="22" name="Rectangle 21">
+            <a:extLst>
+              <a:ext uri="{FF2B5EF4-FFF2-40B4-BE49-F238E27FC236}">
+                <a16:creationId xmlns:a16="http://schemas.microsoft.com/office/drawing/2014/main" id="{33C42E49-0D28-FA09-51A4-884C0B0E3E68}"/>
+              </a:ext>
+            </a:extLst>
+          </p:cNvPr>
+          <p:cNvSpPr/>
+          <p:nvPr/>
+        </p:nvSpPr>
+        <p:spPr>
+          <a:xfrm>
+            <a:off x="81227" y="3725537"/>
+            <a:ext cx="5300125" cy="1169551"/>
+          </a:xfrm>
+          <a:prstGeom prst="rect">
+            <a:avLst/>
+          </a:prstGeom>
+          <a:noFill/>
+        </p:spPr>
+        <p:txBody>
+          <a:bodyPr wrap="square" lIns="91440" tIns="45720" rIns="91440" bIns="45720">
+            <a:spAutoFit/>
+          </a:bodyPr>
+          <a:lstStyle/>
+          <a:p>
+            <a:pPr algn="ctr"/>
+            <a:r>
+              <a:rPr lang="en-US" sz="7000" b="0" cap="none" spc="0" dirty="0">
+                <a:ln w="0"/>
+                <a:solidFill>
+                  <a:schemeClr val="tx1">
+                    <a:lumMod val="95000"/>
+                    <a:lumOff val="5000"/>
+                  </a:schemeClr>
+                </a:solidFill>
+                <a:effectLst>
+                  <a:outerShdw blurRad="38100" dist="19050" dir="2700000" algn="tl" rotWithShape="0">
+                    <a:schemeClr val="dk1">
+                      <a:alpha val="40000"/>
+                    </a:schemeClr>
+                  </a:outerShdw>
+                </a:effectLst>
+                <a:latin typeface="ADLaM Display" panose="02010000000000000000" pitchFamily="2" charset="0"/>
+                <a:ea typeface="ADLaM Display" panose="02010000000000000000" pitchFamily="2" charset="0"/>
+                <a:cs typeface="ADLaM Display" panose="02010000000000000000" pitchFamily="2" charset="0"/>
+              </a:rPr>
+              <a:t>EU</a:t>
+            </a:r>
+          </a:p>
+        </p:txBody>
+      </p:sp>
       <p:grpSp>
         <p:nvGrpSpPr>
           <p:cNvPr id="4" name="Group 3">
